--- a/lectures_6_8/RNN.pptx
+++ b/lectures_6_8/RNN.pptx
@@ -126,6 +126,11 @@
       </a:defRPr>
     </a:lvl9pPr>
   </p:defaultTextStyle>
+  <p:extLst>
+    <p:ext uri="{EFAFB233-063F-42B5-8137-9DF3F51BA10A}">
+      <p15:sldGuideLst xmlns:p15="http://schemas.microsoft.com/office/powerpoint/2012/main"/>
+    </p:ext>
+  </p:extLst>
 </p:presentation>
 </file>
 
@@ -211,7 +216,7 @@
           <a:p>
             <a:fld id="{6D54D45D-36F4-B446-823A-998F3CA5AC24}" type="datetimeFigureOut">
               <a:rPr lang="fr-FR" smtClean="0"/>
-              <a:t>15/02/2021</a:t>
+              <a:t>17/02/2021</a:t>
             </a:fld>
             <a:endParaRPr lang="fr-FR" dirty="0"/>
           </a:p>
@@ -862,7 +867,7 @@
           <a:p>
             <a:fld id="{E4461B67-3014-0A4D-BF9C-36B65D701CEE}" type="datetime1">
               <a:rPr lang="fr-FR" smtClean="0"/>
-              <a:t>15/02/2021</a:t>
+              <a:t>17/02/2021</a:t>
             </a:fld>
             <a:endParaRPr lang="fr-FR" dirty="0"/>
           </a:p>
@@ -1032,7 +1037,7 @@
           <a:p>
             <a:fld id="{EEFCC150-4A9E-F947-9F89-D3B4FCA8CFE8}" type="datetime1">
               <a:rPr lang="fr-FR" smtClean="0"/>
-              <a:t>15/02/2021</a:t>
+              <a:t>17/02/2021</a:t>
             </a:fld>
             <a:endParaRPr lang="fr-FR" dirty="0"/>
           </a:p>
@@ -1212,7 +1217,7 @@
           <a:p>
             <a:fld id="{A33CBB47-34EF-A94E-9470-DFF64FD5745B}" type="datetime1">
               <a:rPr lang="fr-FR" smtClean="0"/>
-              <a:t>15/02/2021</a:t>
+              <a:t>17/02/2021</a:t>
             </a:fld>
             <a:endParaRPr lang="fr-FR" dirty="0"/>
           </a:p>
@@ -1382,7 +1387,7 @@
           <a:p>
             <a:fld id="{81B41D46-B9E2-D644-96BC-0A0B0FE63781}" type="datetime1">
               <a:rPr lang="fr-FR" smtClean="0"/>
-              <a:t>15/02/2021</a:t>
+              <a:t>17/02/2021</a:t>
             </a:fld>
             <a:endParaRPr lang="fr-FR" dirty="0"/>
           </a:p>
@@ -1628,7 +1633,7 @@
           <a:p>
             <a:fld id="{EFE1752B-9ECE-7D45-85C6-2E2AB3174CA3}" type="datetime1">
               <a:rPr lang="fr-FR" smtClean="0"/>
-              <a:t>15/02/2021</a:t>
+              <a:t>17/02/2021</a:t>
             </a:fld>
             <a:endParaRPr lang="fr-FR" dirty="0"/>
           </a:p>
@@ -1860,7 +1865,7 @@
           <a:p>
             <a:fld id="{E738819E-F79C-7745-A642-7D2F70BE20B2}" type="datetime1">
               <a:rPr lang="fr-FR" smtClean="0"/>
-              <a:t>15/02/2021</a:t>
+              <a:t>17/02/2021</a:t>
             </a:fld>
             <a:endParaRPr lang="fr-FR" dirty="0"/>
           </a:p>
@@ -2227,7 +2232,7 @@
           <a:p>
             <a:fld id="{09BA3E24-6544-E042-B4FA-15284D5CE37F}" type="datetime1">
               <a:rPr lang="fr-FR" smtClean="0"/>
-              <a:t>15/02/2021</a:t>
+              <a:t>17/02/2021</a:t>
             </a:fld>
             <a:endParaRPr lang="fr-FR" dirty="0"/>
           </a:p>
@@ -2345,7 +2350,7 @@
           <a:p>
             <a:fld id="{1D13AA75-51F8-8243-9B3A-EAF144BFEFAD}" type="datetime1">
               <a:rPr lang="fr-FR" smtClean="0"/>
-              <a:t>15/02/2021</a:t>
+              <a:t>17/02/2021</a:t>
             </a:fld>
             <a:endParaRPr lang="fr-FR" dirty="0"/>
           </a:p>
@@ -2440,7 +2445,7 @@
           <a:p>
             <a:fld id="{867C892D-55E4-6D4D-BA1B-F3C614D6805F}" type="datetime1">
               <a:rPr lang="fr-FR" smtClean="0"/>
-              <a:t>15/02/2021</a:t>
+              <a:t>17/02/2021</a:t>
             </a:fld>
             <a:endParaRPr lang="fr-FR" dirty="0"/>
           </a:p>
@@ -2717,7 +2722,7 @@
           <a:p>
             <a:fld id="{FFBAE548-02F3-094E-940D-ABE55A1C4D46}" type="datetime1">
               <a:rPr lang="fr-FR" smtClean="0"/>
-              <a:t>15/02/2021</a:t>
+              <a:t>17/02/2021</a:t>
             </a:fld>
             <a:endParaRPr lang="fr-FR" dirty="0"/>
           </a:p>
@@ -2973,7 +2978,7 @@
           <a:p>
             <a:fld id="{0C6DA915-F320-6B47-BEBB-D8C40BF7D4A5}" type="datetime1">
               <a:rPr lang="fr-FR" smtClean="0"/>
-              <a:t>15/02/2021</a:t>
+              <a:t>17/02/2021</a:t>
             </a:fld>
             <a:endParaRPr lang="fr-FR" dirty="0"/>
           </a:p>
@@ -3186,7 +3191,7 @@
           <a:p>
             <a:fld id="{223AA4AF-6BD5-7547-9395-FD4A66A3DCDD}" type="datetime1">
               <a:rPr lang="fr-FR" smtClean="0"/>
-              <a:t>15/02/2021</a:t>
+              <a:t>17/02/2021</a:t>
             </a:fld>
             <a:endParaRPr lang="fr-FR" dirty="0"/>
           </a:p>
@@ -4571,8 +4576,8 @@
           </a:p>
         </p:txBody>
       </p:sp>
-      <mc:AlternateContent xmlns:mc="http://schemas.openxmlformats.org/markup-compatibility/2006">
-        <mc:Choice xmlns:a14="http://schemas.microsoft.com/office/drawing/2010/main" Requires="a14">
+      <mc:AlternateContent xmlns:mc="http://schemas.openxmlformats.org/markup-compatibility/2006" xmlns:a14="http://schemas.microsoft.com/office/drawing/2010/main">
+        <mc:Choice Requires="a14">
           <p:sp>
             <p:nvSpPr>
               <p:cNvPr id="5" name="Subtitle 4">
@@ -5296,7 +5301,7 @@
             </p:txBody>
           </p:sp>
         </mc:Choice>
-        <mc:Fallback>
+        <mc:Fallback xmlns="">
           <p:sp>
             <p:nvSpPr>
               <p:cNvPr id="5" name="Subtitle 4">
@@ -6563,10 +6568,13 @@
               </a:rPr>
               <a:t>https://arxiv.org/pdf/1406.1078.pdf</a:t>
             </a:r>
-            <a:endParaRPr lang="en-US" noProof="1">
-              <a:latin typeface="Consolas" panose="020B0609020204030204" pitchFamily="49" charset="0"/>
-              <a:cs typeface="Consolas" panose="020B0609020204030204" pitchFamily="49" charset="0"/>
-            </a:endParaRPr>
+            <a:r>
+              <a:rPr lang="en-US" noProof="1">
+                <a:latin typeface="Consolas" panose="020B0609020204030204" pitchFamily="49" charset="0"/>
+                <a:cs typeface="Consolas" panose="020B0609020204030204" pitchFamily="49" charset="0"/>
+              </a:rPr>
+              <a:t> </a:t>
+            </a:r>
           </a:p>
         </p:txBody>
       </p:sp>
@@ -7599,8 +7607,8 @@
         </p:nvSpPr>
         <p:spPr>
           <a:xfrm>
-            <a:off x="352927" y="2926080"/>
-            <a:ext cx="11522081" cy="4846320"/>
+            <a:off x="352927" y="2677886"/>
+            <a:ext cx="11468959" cy="5094514"/>
           </a:xfrm>
         </p:spPr>
         <p:txBody>
@@ -7637,7 +7645,22 @@
                 <a:latin typeface="Consolas" panose="020B0609020204030204" pitchFamily="49" charset="0"/>
                 <a:cs typeface="Consolas" panose="020B0609020204030204" pitchFamily="49" charset="0"/>
               </a:rPr>
-              <a:t>Aurélien Géron</a:t>
+              <a:t>Aurélien Géron, </a:t>
+            </a:r>
+            <a:r>
+              <a:rPr lang="en-US" b="1" noProof="1">
+                <a:latin typeface="Consolas" panose="020B0609020204030204" pitchFamily="49" charset="0"/>
+                <a:cs typeface="Consolas" panose="020B0609020204030204" pitchFamily="49" charset="0"/>
+                <a:hlinkClick r:id="rId2"/>
+              </a:rPr>
+              <a:t>https://github.com/ageron/handson-ml2</a:t>
+            </a:r>
+            <a:r>
+              <a:rPr lang="en-US" b="1" noProof="1">
+                <a:latin typeface="Consolas" panose="020B0609020204030204" pitchFamily="49" charset="0"/>
+                <a:cs typeface="Consolas" panose="020B0609020204030204" pitchFamily="49" charset="0"/>
+              </a:rPr>
+              <a:t> </a:t>
             </a:r>
           </a:p>
           <a:p>
@@ -7645,6 +7668,16 @@
               <a:buFont typeface="Wingdings" pitchFamily="2" charset="2"/>
               <a:buChar char="v"/>
             </a:pPr>
+            <a:endParaRPr lang="en-US" b="1" noProof="1">
+              <a:latin typeface="Consolas" panose="020B0609020204030204" pitchFamily="49" charset="0"/>
+              <a:cs typeface="Consolas" panose="020B0609020204030204" pitchFamily="49" charset="0"/>
+            </a:endParaRPr>
+          </a:p>
+          <a:p>
+            <a:pPr marL="342900" indent="-342900" algn="l">
+              <a:buFont typeface="Wingdings" pitchFamily="2" charset="2"/>
+              <a:buChar char="v"/>
+            </a:pPr>
             <a:r>
               <a:rPr lang="en-US" noProof="1">
                 <a:latin typeface="Consolas" panose="020B0609020204030204" pitchFamily="49" charset="0"/>
@@ -7657,15 +7690,34 @@
                 <a:latin typeface="Consolas" panose="020B0609020204030204" pitchFamily="49" charset="0"/>
                 <a:cs typeface="Consolas" panose="020B0609020204030204" pitchFamily="49" charset="0"/>
               </a:rPr>
-              <a:t>Deep Learning for Text and Sequences</a:t>
+              <a:t>Deep Learning with Python</a:t>
             </a:r>
             <a:r>
               <a:rPr lang="en-US" b="1" noProof="1">
                 <a:latin typeface="Consolas" panose="020B0609020204030204" pitchFamily="49" charset="0"/>
                 <a:cs typeface="Consolas" panose="020B0609020204030204" pitchFamily="49" charset="0"/>
               </a:rPr>
-              <a:t>, Fraçois Chollet</a:t>
-            </a:r>
+              <a:t>, Fraçois Chollet, </a:t>
+            </a:r>
+            <a:r>
+              <a:rPr lang="en-US" b="1" noProof="1">
+                <a:latin typeface="Consolas" panose="020B0609020204030204" pitchFamily="49" charset="0"/>
+                <a:cs typeface="Consolas" panose="020B0609020204030204" pitchFamily="49" charset="0"/>
+                <a:hlinkClick r:id="rId3"/>
+              </a:rPr>
+              <a:t>https://github.com/fchollet/deep-learning-with-python-notebooks</a:t>
+            </a:r>
+            <a:endParaRPr lang="en-US" b="1" noProof="1">
+              <a:latin typeface="Consolas" panose="020B0609020204030204" pitchFamily="49" charset="0"/>
+              <a:cs typeface="Consolas" panose="020B0609020204030204" pitchFamily="49" charset="0"/>
+            </a:endParaRPr>
+          </a:p>
+          <a:p>
+            <a:pPr algn="l"/>
+            <a:endParaRPr lang="en-US" b="1" noProof="1">
+              <a:latin typeface="Consolas" panose="020B0609020204030204" pitchFamily="49" charset="0"/>
+              <a:cs typeface="Consolas" panose="020B0609020204030204" pitchFamily="49" charset="0"/>
+            </a:endParaRPr>
           </a:p>
           <a:p>
             <a:pPr marL="342900" indent="-342900" algn="l">
@@ -10572,8 +10624,8 @@
           </a:p>
         </p:txBody>
       </p:sp>
-      <mc:AlternateContent xmlns:mc="http://schemas.openxmlformats.org/markup-compatibility/2006">
-        <mc:Choice xmlns:a14="http://schemas.microsoft.com/office/drawing/2010/main" Requires="a14">
+      <mc:AlternateContent xmlns:mc="http://schemas.openxmlformats.org/markup-compatibility/2006" xmlns:a14="http://schemas.microsoft.com/office/drawing/2010/main">
+        <mc:Choice Requires="a14">
           <p:sp>
             <p:nvSpPr>
               <p:cNvPr id="5" name="Subtitle 4">
@@ -10869,7 +10921,7 @@
             </p:txBody>
           </p:sp>
         </mc:Choice>
-        <mc:Fallback>
+        <mc:Fallback xmlns="">
           <p:sp>
             <p:nvSpPr>
               <p:cNvPr id="5" name="Subtitle 4">
@@ -10913,8 +10965,8 @@
           </p:sp>
         </mc:Fallback>
       </mc:AlternateContent>
-      <mc:AlternateContent xmlns:mc="http://schemas.openxmlformats.org/markup-compatibility/2006">
-        <mc:Choice xmlns:a14="http://schemas.microsoft.com/office/drawing/2010/main" Requires="a14">
+      <mc:AlternateContent xmlns:mc="http://schemas.openxmlformats.org/markup-compatibility/2006" xmlns:a14="http://schemas.microsoft.com/office/drawing/2010/main">
+        <mc:Choice Requires="a14">
           <p:graphicFrame>
             <p:nvGraphicFramePr>
               <p:cNvPr id="3" name="Table 2">
@@ -11616,7 +11668,7 @@
             </a:graphic>
           </p:graphicFrame>
         </mc:Choice>
-        <mc:Fallback>
+        <mc:Fallback xmlns="">
           <p:graphicFrame>
             <p:nvGraphicFramePr>
               <p:cNvPr id="3" name="Table 2">
